--- a/Giftify.pptx
+++ b/Giftify.pptx
@@ -6198,7 +6198,7 @@
           </a:effectLst>
           <a:extLst>
             <a:ext uri="{91240B29-F687-4f45-9708-019B960494DF}">
-              <a14:hiddenLine xmlns:a14="http://schemas.microsoft.com/office/drawing/2010/main" xmlns:p14="http://schemas.microsoft.com/office/powerpoint/2010/main" xmlns:a16="http://schemas.microsoft.com/office/drawing/2014/main" xmlns="" w="9525">
+              <a14:hiddenLine xmlns="" xmlns:a16="http://schemas.microsoft.com/office/drawing/2014/main" xmlns:p14="http://schemas.microsoft.com/office/powerpoint/2010/main" xmlns:a14="http://schemas.microsoft.com/office/drawing/2010/main" w="9525">
                 <a:solidFill>
                   <a:srgbClr val="000000"/>
                 </a:solidFill>
@@ -6251,13 +6251,13 @@
           <a:p>
             <a:pPr algn="l"/>
             <a:r>
-              <a:rPr lang="en-US" sz="4400" dirty="0" err="1">
+              <a:rPr lang="en-US" sz="4400" b="1" dirty="0" err="1">
                 <a:latin typeface="Calibri" panose="020F0502020204030204" pitchFamily="34" charset="0"/>
                 <a:cs typeface="Calibri" panose="020F0502020204030204" pitchFamily="34" charset="0"/>
               </a:rPr>
               <a:t>Giftify</a:t>
             </a:r>
-            <a:endParaRPr lang="en-US" sz="4400" dirty="0">
+            <a:endParaRPr lang="en-US" sz="4400" b="1" dirty="0">
               <a:latin typeface="Calibri" panose="020F0502020204030204" pitchFamily="34" charset="0"/>
               <a:cs typeface="Calibri" panose="020F0502020204030204" pitchFamily="34" charset="0"/>
             </a:endParaRPr>
@@ -6897,7 +6897,7 @@
                 <a:latin typeface="Calibri" panose="020F0502020204030204" pitchFamily="34" charset="0"/>
                 <a:cs typeface="Calibri" panose="020F0502020204030204" pitchFamily="34" charset="0"/>
               </a:rPr>
-              <a:t>, utilizes a web based database to pull the top 50+ gifts of 2019, allowing user’s to find popular items.  It auto populates as the user searches by name or category</a:t>
+              <a:t>, utilizes a web-based database to pull the top 50+ gifts of 2019, allowing user’s to find popular items.  It auto populates as the user searches by name or category</a:t>
             </a:r>
           </a:p>
         </p:txBody>
@@ -7200,7 +7200,7 @@
         </p:spPr>
         <p:txBody>
           <a:bodyPr vert="horz" lIns="91440" tIns="45720" rIns="91440" bIns="45720" rtlCol="0" anchor="ctr">
-            <a:normAutofit fontScale="85000" lnSpcReduction="10000"/>
+            <a:normAutofit fontScale="92500" lnSpcReduction="20000"/>
           </a:bodyPr>
           <a:lstStyle/>
           <a:p>
@@ -7252,31 +7252,52 @@
               <a:buChar char="•"/>
             </a:pPr>
             <a:r>
-              <a:rPr lang="en-US" dirty="0"/>
+              <a:rPr lang="en-US" dirty="0">
+                <a:latin typeface="Calibri" panose="020F0502020204030204" pitchFamily="34" charset="0"/>
+                <a:cs typeface="Calibri" panose="020F0502020204030204" pitchFamily="34" charset="0"/>
+              </a:rPr>
               <a:t>Our web application will integrate user input to pull from 2 API’s to populate a user interface. The user interface will pull from </a:t>
             </a:r>
             <a:r>
-              <a:rPr lang="en-US" dirty="0" err="1"/>
+              <a:rPr lang="en-US" dirty="0" err="1">
+                <a:latin typeface="Calibri" panose="020F0502020204030204" pitchFamily="34" charset="0"/>
+                <a:cs typeface="Calibri" panose="020F0502020204030204" pitchFamily="34" charset="0"/>
+              </a:rPr>
               <a:t>Algolia</a:t>
             </a:r>
             <a:r>
-              <a:rPr lang="en-US" dirty="0"/>
+              <a:rPr lang="en-US" dirty="0">
+                <a:latin typeface="Calibri" panose="020F0502020204030204" pitchFamily="34" charset="0"/>
+                <a:cs typeface="Calibri" panose="020F0502020204030204" pitchFamily="34" charset="0"/>
+              </a:rPr>
               <a:t> to auto complete and suggest gifts options from a populated database. It also dynamically displays </a:t>
             </a:r>
             <a:r>
-              <a:rPr lang="en-US" dirty="0" err="1"/>
+              <a:rPr lang="en-US" dirty="0" err="1">
+                <a:latin typeface="Calibri" panose="020F0502020204030204" pitchFamily="34" charset="0"/>
+                <a:cs typeface="Calibri" panose="020F0502020204030204" pitchFamily="34" charset="0"/>
+              </a:rPr>
               <a:t>informatin</a:t>
             </a:r>
             <a:r>
-              <a:rPr lang="en-US" dirty="0"/>
+              <a:rPr lang="en-US" dirty="0">
+                <a:latin typeface="Calibri" panose="020F0502020204030204" pitchFamily="34" charset="0"/>
+                <a:cs typeface="Calibri" panose="020F0502020204030204" pitchFamily="34" charset="0"/>
+              </a:rPr>
               <a:t> from Etsy’s API  based off the user’s input. We will use </a:t>
             </a:r>
             <a:r>
-              <a:rPr lang="en-US" dirty="0" err="1"/>
+              <a:rPr lang="en-US" dirty="0" err="1">
+                <a:latin typeface="Calibri" panose="020F0502020204030204" pitchFamily="34" charset="0"/>
+                <a:cs typeface="Calibri" panose="020F0502020204030204" pitchFamily="34" charset="0"/>
+              </a:rPr>
               <a:t>Sequelize</a:t>
             </a:r>
             <a:r>
-              <a:rPr lang="en-US" dirty="0"/>
+              <a:rPr lang="en-US" dirty="0">
+                <a:latin typeface="Calibri" panose="020F0502020204030204" pitchFamily="34" charset="0"/>
+                <a:cs typeface="Calibri" panose="020F0502020204030204" pitchFamily="34" charset="0"/>
+              </a:rPr>
               <a:t> to log user’s selections so they can return to previously searched options. </a:t>
             </a:r>
             <a:endParaRPr lang="en-US" sz="2800" dirty="0">
@@ -7335,7 +7356,10 @@
               </a:rPr>
               <a:t>User Story</a:t>
             </a:r>
-            <a:endParaRPr lang="en-US" dirty="0"/>
+            <a:endParaRPr lang="en-US" dirty="0">
+              <a:latin typeface="Calibri" panose="020F0502020204030204" pitchFamily="34" charset="0"/>
+              <a:cs typeface="Calibri" panose="020F0502020204030204" pitchFamily="34" charset="0"/>
+            </a:endParaRPr>
           </a:p>
           <a:p>
             <a:pPr marL="742950" lvl="1" indent="-285750">
@@ -7343,7 +7367,10 @@
               <a:buChar char="•"/>
             </a:pPr>
             <a:r>
-              <a:rPr lang="en-US" dirty="0"/>
+              <a:rPr lang="en-US" dirty="0">
+                <a:latin typeface="Calibri" panose="020F0502020204030204" pitchFamily="34" charset="0"/>
+                <a:cs typeface="Calibri" panose="020F0502020204030204" pitchFamily="34" charset="0"/>
+              </a:rPr>
               <a:t>As a person who frequents parties, finding a gift is difficult, </a:t>
             </a:r>
           </a:p>
@@ -7353,7 +7380,10 @@
               <a:buChar char="•"/>
             </a:pPr>
             <a:r>
-              <a:rPr lang="en-US" dirty="0"/>
+              <a:rPr lang="en-US" dirty="0">
+                <a:latin typeface="Calibri" panose="020F0502020204030204" pitchFamily="34" charset="0"/>
+                <a:cs typeface="Calibri" panose="020F0502020204030204" pitchFamily="34" charset="0"/>
+              </a:rPr>
               <a:t>I want to easily search for gifts suggested to me by my input,</a:t>
             </a:r>
           </a:p>
@@ -7363,12 +7393,18 @@
               <a:buChar char="•"/>
             </a:pPr>
             <a:r>
-              <a:rPr lang="en-US" dirty="0"/>
+              <a:rPr lang="en-US" dirty="0">
+                <a:latin typeface="Calibri" panose="020F0502020204030204" pitchFamily="34" charset="0"/>
+                <a:cs typeface="Calibri" panose="020F0502020204030204" pitchFamily="34" charset="0"/>
+              </a:rPr>
               <a:t>So that I can buy unique and fun gifts.</a:t>
             </a:r>
           </a:p>
           <a:p>
-            <a:endParaRPr lang="en-US" dirty="0"/>
+            <a:endParaRPr lang="en-US" dirty="0">
+              <a:latin typeface="Calibri" panose="020F0502020204030204" pitchFamily="34" charset="0"/>
+              <a:cs typeface="Calibri" panose="020F0502020204030204" pitchFamily="34" charset="0"/>
+            </a:endParaRPr>
           </a:p>
           <a:p>
             <a:pPr marL="742950" lvl="1" indent="-285750">
@@ -7376,7 +7412,10 @@
               <a:buChar char="•"/>
             </a:pPr>
             <a:r>
-              <a:rPr lang="en-US" dirty="0"/>
+              <a:rPr lang="en-US" dirty="0">
+                <a:latin typeface="Calibri" panose="020F0502020204030204" pitchFamily="34" charset="0"/>
+                <a:cs typeface="Calibri" panose="020F0502020204030204" pitchFamily="34" charset="0"/>
+              </a:rPr>
               <a:t>Given I am a party animal</a:t>
             </a:r>
           </a:p>
@@ -7386,7 +7425,10 @@
               <a:buChar char="•"/>
             </a:pPr>
             <a:r>
-              <a:rPr lang="en-US" dirty="0"/>
+              <a:rPr lang="en-US" dirty="0">
+                <a:latin typeface="Calibri" panose="020F0502020204030204" pitchFamily="34" charset="0"/>
+                <a:cs typeface="Calibri" panose="020F0502020204030204" pitchFamily="34" charset="0"/>
+              </a:rPr>
               <a:t>When I search for new gifts for my parties</a:t>
             </a:r>
           </a:p>
@@ -7396,7 +7438,10 @@
               <a:buChar char="•"/>
             </a:pPr>
             <a:r>
-              <a:rPr lang="en-US" dirty="0"/>
+              <a:rPr lang="en-US" dirty="0">
+                <a:latin typeface="Calibri" panose="020F0502020204030204" pitchFamily="34" charset="0"/>
+                <a:cs typeface="Calibri" panose="020F0502020204030204" pitchFamily="34" charset="0"/>
+              </a:rPr>
               <a:t>I should receive unique content, suggested by auto-completing my input and displaying it in a user interface that displays previously searched options as well</a:t>
             </a:r>
           </a:p>
@@ -9365,7 +9410,7 @@
         </p:blipFill>
         <p:spPr>
           <a:xfrm>
-            <a:off x="20" y="283474"/>
+            <a:off x="20" y="0"/>
             <a:ext cx="12191980" cy="6857990"/>
           </a:xfrm>
           <a:prstGeom prst="rect">
